--- a/HINS_MCU_V2.0/程式架構變更紀錄.pptx
+++ b/HINS_MCU_V2.0/程式架構變更紀錄.pptx
@@ -9,6 +9,9 @@
     <p:sldId id="257" r:id="rId3"/>
     <p:sldId id="258" r:id="rId4"/>
     <p:sldId id="259" r:id="rId5"/>
+    <p:sldId id="260" r:id="rId6"/>
+    <p:sldId id="261" r:id="rId7"/>
+    <p:sldId id="262" r:id="rId8"/>
   </p:sldIdLst>
   <p:sldSz cx="12192000" cy="6858000"/>
   <p:notesSz cx="6858000" cy="9144000"/>
@@ -107,6 +110,11 @@
       </a:defRPr>
     </a:lvl9pPr>
   </p:defaultTextStyle>
+  <p:extLst>
+    <p:ext uri="{EFAFB233-063F-42B5-8137-9DF3F51BA10A}">
+      <p15:sldGuideLst xmlns:p15="http://schemas.microsoft.com/office/powerpoint/2012/main"/>
+    </p:ext>
+  </p:extLst>
 </p:presentation>
 </file>
 
@@ -3984,6 +3992,36 @@
           <a:chExt cx="0" cy="0"/>
         </a:xfrm>
       </p:grpSpPr>
+      <p:pic>
+        <p:nvPicPr>
+          <p:cNvPr id="3" name="圖片 2" descr="一張含有 文字, 螢幕擷取畫面, 字型, 數字 的圖片&#10;&#10;AI 產生的內容可能不正確。">
+            <a:extLst>
+              <a:ext uri="{FF2B5EF4-FFF2-40B4-BE49-F238E27FC236}">
+                <a16:creationId xmlns:a16="http://schemas.microsoft.com/office/drawing/2014/main" id="{66CCB920-7C45-D7AE-668A-6009F442477B}"/>
+              </a:ext>
+            </a:extLst>
+          </p:cNvPr>
+          <p:cNvPicPr>
+            <a:picLocks noChangeAspect="1"/>
+          </p:cNvPicPr>
+          <p:nvPr/>
+        </p:nvPicPr>
+        <p:blipFill>
+          <a:blip r:embed="rId2"/>
+          <a:stretch>
+            <a:fillRect/>
+          </a:stretch>
+        </p:blipFill>
+        <p:spPr>
+          <a:xfrm>
+            <a:off x="3009469" y="1104575"/>
+            <a:ext cx="6173061" cy="4648849"/>
+          </a:xfrm>
+          <a:prstGeom prst="rect">
+            <a:avLst/>
+          </a:prstGeom>
+        </p:spPr>
+      </p:pic>
     </p:spTree>
     <p:extLst>
       <p:ext uri="{BB962C8B-B14F-4D97-AF65-F5344CB8AC3E}">
@@ -4020,10 +4058,148 @@
           <a:chExt cx="0" cy="0"/>
         </a:xfrm>
       </p:grpSpPr>
+      <p:pic>
+        <p:nvPicPr>
+          <p:cNvPr id="3" name="圖片 2" descr="一張含有 文字, 螢幕擷取畫面, 字型, 數字 的圖片&#10;&#10;AI 產生的內容可能不正確。">
+            <a:extLst>
+              <a:ext uri="{FF2B5EF4-FFF2-40B4-BE49-F238E27FC236}">
+                <a16:creationId xmlns:a16="http://schemas.microsoft.com/office/drawing/2014/main" id="{ABA26ADD-FEFA-C0F5-69F7-0638CBAC4DC8}"/>
+              </a:ext>
+            </a:extLst>
+          </p:cNvPr>
+          <p:cNvPicPr>
+            <a:picLocks noChangeAspect="1"/>
+          </p:cNvPicPr>
+          <p:nvPr/>
+        </p:nvPicPr>
+        <p:blipFill>
+          <a:blip r:embed="rId2"/>
+          <a:stretch>
+            <a:fillRect/>
+          </a:stretch>
+        </p:blipFill>
+        <p:spPr>
+          <a:xfrm>
+            <a:off x="3071390" y="1823813"/>
+            <a:ext cx="6049219" cy="3210373"/>
+          </a:xfrm>
+          <a:prstGeom prst="rect">
+            <a:avLst/>
+          </a:prstGeom>
+        </p:spPr>
+      </p:pic>
     </p:spTree>
     <p:extLst>
       <p:ext uri="{BB962C8B-B14F-4D97-AF65-F5344CB8AC3E}">
         <p14:creationId xmlns:p14="http://schemas.microsoft.com/office/powerpoint/2010/main" val="1166128675"/>
+      </p:ext>
+    </p:extLst>
+  </p:cSld>
+  <p:clrMapOvr>
+    <a:masterClrMapping/>
+  </p:clrMapOvr>
+</p:sld>
+</file>
+
+<file path=ppt/slides/slide5.xml><?xml version="1.0" encoding="utf-8"?>
+<p:sld xmlns:a="http://schemas.openxmlformats.org/drawingml/2006/main" xmlns:r="http://schemas.openxmlformats.org/officeDocument/2006/relationships" xmlns:p="http://schemas.openxmlformats.org/presentationml/2006/main">
+  <p:cSld>
+    <p:spTree>
+      <p:nvGrpSpPr>
+        <p:cNvPr id="1" name="">
+          <a:extLst>
+            <a:ext uri="{FF2B5EF4-FFF2-40B4-BE49-F238E27FC236}">
+              <a16:creationId xmlns:a16="http://schemas.microsoft.com/office/drawing/2014/main" id="{B0824C6B-A38E-9DCF-62DC-FD7B0C6BA638}"/>
+            </a:ext>
+          </a:extLst>
+        </p:cNvPr>
+        <p:cNvGrpSpPr/>
+        <p:nvPr/>
+      </p:nvGrpSpPr>
+      <p:grpSpPr>
+        <a:xfrm>
+          <a:off x="0" y="0"/>
+          <a:ext cx="0" cy="0"/>
+          <a:chOff x="0" y="0"/>
+          <a:chExt cx="0" cy="0"/>
+        </a:xfrm>
+      </p:grpSpPr>
+    </p:spTree>
+    <p:extLst>
+      <p:ext uri="{BB962C8B-B14F-4D97-AF65-F5344CB8AC3E}">
+        <p14:creationId xmlns:p14="http://schemas.microsoft.com/office/powerpoint/2010/main" val="1512020029"/>
+      </p:ext>
+    </p:extLst>
+  </p:cSld>
+  <p:clrMapOvr>
+    <a:masterClrMapping/>
+  </p:clrMapOvr>
+</p:sld>
+</file>
+
+<file path=ppt/slides/slide6.xml><?xml version="1.0" encoding="utf-8"?>
+<p:sld xmlns:a="http://schemas.openxmlformats.org/drawingml/2006/main" xmlns:r="http://schemas.openxmlformats.org/officeDocument/2006/relationships" xmlns:p="http://schemas.openxmlformats.org/presentationml/2006/main">
+  <p:cSld>
+    <p:spTree>
+      <p:nvGrpSpPr>
+        <p:cNvPr id="1" name="">
+          <a:extLst>
+            <a:ext uri="{FF2B5EF4-FFF2-40B4-BE49-F238E27FC236}">
+              <a16:creationId xmlns:a16="http://schemas.microsoft.com/office/drawing/2014/main" id="{58ABB13A-E81D-FFD3-1DC4-211266BD7ACB}"/>
+            </a:ext>
+          </a:extLst>
+        </p:cNvPr>
+        <p:cNvGrpSpPr/>
+        <p:nvPr/>
+      </p:nvGrpSpPr>
+      <p:grpSpPr>
+        <a:xfrm>
+          <a:off x="0" y="0"/>
+          <a:ext cx="0" cy="0"/>
+          <a:chOff x="0" y="0"/>
+          <a:chExt cx="0" cy="0"/>
+        </a:xfrm>
+      </p:grpSpPr>
+    </p:spTree>
+    <p:extLst>
+      <p:ext uri="{BB962C8B-B14F-4D97-AF65-F5344CB8AC3E}">
+        <p14:creationId xmlns:p14="http://schemas.microsoft.com/office/powerpoint/2010/main" val="1412880767"/>
+      </p:ext>
+    </p:extLst>
+  </p:cSld>
+  <p:clrMapOvr>
+    <a:masterClrMapping/>
+  </p:clrMapOvr>
+</p:sld>
+</file>
+
+<file path=ppt/slides/slide7.xml><?xml version="1.0" encoding="utf-8"?>
+<p:sld xmlns:a="http://schemas.openxmlformats.org/drawingml/2006/main" xmlns:r="http://schemas.openxmlformats.org/officeDocument/2006/relationships" xmlns:p="http://schemas.openxmlformats.org/presentationml/2006/main">
+  <p:cSld>
+    <p:spTree>
+      <p:nvGrpSpPr>
+        <p:cNvPr id="1" name="">
+          <a:extLst>
+            <a:ext uri="{FF2B5EF4-FFF2-40B4-BE49-F238E27FC236}">
+              <a16:creationId xmlns:a16="http://schemas.microsoft.com/office/drawing/2014/main" id="{11B32173-9695-8E1D-90C6-9C82BC7FE670}"/>
+            </a:ext>
+          </a:extLst>
+        </p:cNvPr>
+        <p:cNvGrpSpPr/>
+        <p:nvPr/>
+      </p:nvGrpSpPr>
+      <p:grpSpPr>
+        <a:xfrm>
+          <a:off x="0" y="0"/>
+          <a:ext cx="0" cy="0"/>
+          <a:chOff x="0" y="0"/>
+          <a:chExt cx="0" cy="0"/>
+        </a:xfrm>
+      </p:grpSpPr>
+    </p:spTree>
+    <p:extLst>
+      <p:ext uri="{BB962C8B-B14F-4D97-AF65-F5344CB8AC3E}">
+        <p14:creationId xmlns:p14="http://schemas.microsoft.com/office/powerpoint/2010/main" val="465394163"/>
       </p:ext>
     </p:extLst>
   </p:cSld>

--- a/HINS_MCU_V2.0/程式架構變更紀錄.pptx
+++ b/HINS_MCU_V2.0/程式架構變更紀錄.pptx
@@ -12,6 +12,9 @@
     <p:sldId id="260" r:id="rId6"/>
     <p:sldId id="261" r:id="rId7"/>
     <p:sldId id="262" r:id="rId8"/>
+    <p:sldId id="263" r:id="rId9"/>
+    <p:sldId id="264" r:id="rId10"/>
+    <p:sldId id="265" r:id="rId11"/>
   </p:sldIdLst>
   <p:sldSz cx="12192000" cy="6858000"/>
   <p:notesSz cx="6858000" cy="9144000"/>
@@ -3696,6 +3699,42 @@
 </p:sld>
 </file>
 
+<file path=ppt/slides/slide10.xml><?xml version="1.0" encoding="utf-8"?>
+<p:sld xmlns:a="http://schemas.openxmlformats.org/drawingml/2006/main" xmlns:r="http://schemas.openxmlformats.org/officeDocument/2006/relationships" xmlns:p="http://schemas.openxmlformats.org/presentationml/2006/main">
+  <p:cSld>
+    <p:spTree>
+      <p:nvGrpSpPr>
+        <p:cNvPr id="1" name="">
+          <a:extLst>
+            <a:ext uri="{FF2B5EF4-FFF2-40B4-BE49-F238E27FC236}">
+              <a16:creationId xmlns:a16="http://schemas.microsoft.com/office/drawing/2014/main" id="{E6C35C26-747B-0BFD-D21C-9FA568390F1D}"/>
+            </a:ext>
+          </a:extLst>
+        </p:cNvPr>
+        <p:cNvGrpSpPr/>
+        <p:nvPr/>
+      </p:nvGrpSpPr>
+      <p:grpSpPr>
+        <a:xfrm>
+          <a:off x="0" y="0"/>
+          <a:ext cx="0" cy="0"/>
+          <a:chOff x="0" y="0"/>
+          <a:chExt cx="0" cy="0"/>
+        </a:xfrm>
+      </p:grpSpPr>
+    </p:spTree>
+    <p:extLst>
+      <p:ext uri="{BB962C8B-B14F-4D97-AF65-F5344CB8AC3E}">
+        <p14:creationId xmlns:p14="http://schemas.microsoft.com/office/powerpoint/2010/main" val="3662524044"/>
+      </p:ext>
+    </p:extLst>
+  </p:cSld>
+  <p:clrMapOvr>
+    <a:masterClrMapping/>
+  </p:clrMapOvr>
+</p:sld>
+</file>
+
 <file path=ppt/slides/slide2.xml><?xml version="1.0" encoding="utf-8"?>
 <p:sld xmlns:a="http://schemas.openxmlformats.org/drawingml/2006/main" xmlns:r="http://schemas.openxmlformats.org/officeDocument/2006/relationships" xmlns:p="http://schemas.openxmlformats.org/presentationml/2006/main">
   <p:cSld>
@@ -4124,6 +4163,87 @@
           <a:chExt cx="0" cy="0"/>
         </a:xfrm>
       </p:grpSpPr>
+      <p:grpSp>
+        <p:nvGrpSpPr>
+          <p:cNvPr id="6" name="群組 5">
+            <a:extLst>
+              <a:ext uri="{FF2B5EF4-FFF2-40B4-BE49-F238E27FC236}">
+                <a16:creationId xmlns:a16="http://schemas.microsoft.com/office/drawing/2014/main" id="{1E798E8D-C2A4-6E75-0C86-DB963D543C75}"/>
+              </a:ext>
+            </a:extLst>
+          </p:cNvPr>
+          <p:cNvGrpSpPr/>
+          <p:nvPr/>
+        </p:nvGrpSpPr>
+        <p:grpSpPr>
+          <a:xfrm>
+            <a:off x="313518" y="137971"/>
+            <a:ext cx="6763694" cy="6582058"/>
+            <a:chOff x="313518" y="137971"/>
+            <a:chExt cx="6763694" cy="6582058"/>
+          </a:xfrm>
+        </p:grpSpPr>
+        <p:pic>
+          <p:nvPicPr>
+            <p:cNvPr id="3" name="圖片 2" descr="一張含有 文字, 螢幕擷取畫面, 字型 的圖片&#10;&#10;AI 產生的內容可能不正確。">
+              <a:extLst>
+                <a:ext uri="{FF2B5EF4-FFF2-40B4-BE49-F238E27FC236}">
+                  <a16:creationId xmlns:a16="http://schemas.microsoft.com/office/drawing/2014/main" id="{E7B5F0C6-086F-FB8F-630C-CB9B9A8E0565}"/>
+                </a:ext>
+              </a:extLst>
+            </p:cNvPr>
+            <p:cNvPicPr>
+              <a:picLocks noChangeAspect="1"/>
+            </p:cNvPicPr>
+            <p:nvPr/>
+          </p:nvPicPr>
+          <p:blipFill>
+            <a:blip r:embed="rId2"/>
+            <a:stretch>
+              <a:fillRect/>
+            </a:stretch>
+          </p:blipFill>
+          <p:spPr>
+            <a:xfrm>
+              <a:off x="313518" y="137971"/>
+              <a:ext cx="5782482" cy="4991797"/>
+            </a:xfrm>
+            <a:prstGeom prst="rect">
+              <a:avLst/>
+            </a:prstGeom>
+          </p:spPr>
+        </p:pic>
+        <p:pic>
+          <p:nvPicPr>
+            <p:cNvPr id="5" name="圖片 4" descr="一張含有 文字, 收據, 字型, 白色 的圖片&#10;&#10;AI 產生的內容可能不正確。">
+              <a:extLst>
+                <a:ext uri="{FF2B5EF4-FFF2-40B4-BE49-F238E27FC236}">
+                  <a16:creationId xmlns:a16="http://schemas.microsoft.com/office/drawing/2014/main" id="{78556F78-A5AB-8ED5-3381-BF6E483712A0}"/>
+                </a:ext>
+              </a:extLst>
+            </p:cNvPr>
+            <p:cNvPicPr>
+              <a:picLocks noChangeAspect="1"/>
+            </p:cNvPicPr>
+            <p:nvPr/>
+          </p:nvPicPr>
+          <p:blipFill>
+            <a:blip r:embed="rId3"/>
+            <a:stretch>
+              <a:fillRect/>
+            </a:stretch>
+          </p:blipFill>
+          <p:spPr>
+            <a:xfrm>
+              <a:off x="313518" y="5129132"/>
+              <a:ext cx="6763694" cy="1590897"/>
+            </a:xfrm>
+            <a:prstGeom prst="rect">
+              <a:avLst/>
+            </a:prstGeom>
+          </p:spPr>
+        </p:pic>
+      </p:grpSp>
     </p:spTree>
     <p:extLst>
       <p:ext uri="{BB962C8B-B14F-4D97-AF65-F5344CB8AC3E}">
@@ -4160,6 +4280,96 @@
           <a:chExt cx="0" cy="0"/>
         </a:xfrm>
       </p:grpSpPr>
+      <p:pic>
+        <p:nvPicPr>
+          <p:cNvPr id="3" name="圖片 2" descr="一張含有 文字, 螢幕擷取畫面, 字型, 數字 的圖片&#10;&#10;AI 產生的內容可能不正確。">
+            <a:extLst>
+              <a:ext uri="{FF2B5EF4-FFF2-40B4-BE49-F238E27FC236}">
+                <a16:creationId xmlns:a16="http://schemas.microsoft.com/office/drawing/2014/main" id="{59887F55-B8CA-0976-AC89-486DFB401D35}"/>
+              </a:ext>
+            </a:extLst>
+          </p:cNvPr>
+          <p:cNvPicPr>
+            <a:picLocks noChangeAspect="1"/>
+          </p:cNvPicPr>
+          <p:nvPr/>
+        </p:nvPicPr>
+        <p:blipFill>
+          <a:blip r:embed="rId2"/>
+          <a:stretch>
+            <a:fillRect/>
+          </a:stretch>
+        </p:blipFill>
+        <p:spPr>
+          <a:xfrm>
+            <a:off x="214573" y="0"/>
+            <a:ext cx="5163271" cy="6687483"/>
+          </a:xfrm>
+          <a:prstGeom prst="rect">
+            <a:avLst/>
+          </a:prstGeom>
+        </p:spPr>
+      </p:pic>
+      <p:pic>
+        <p:nvPicPr>
+          <p:cNvPr id="5" name="圖片 4" descr="一張含有 文字, 螢幕擷取畫面, 字型, 數字 的圖片&#10;&#10;AI 產生的內容可能不正確。">
+            <a:extLst>
+              <a:ext uri="{FF2B5EF4-FFF2-40B4-BE49-F238E27FC236}">
+                <a16:creationId xmlns:a16="http://schemas.microsoft.com/office/drawing/2014/main" id="{59774329-5E0E-0283-E2F2-02541A277140}"/>
+              </a:ext>
+            </a:extLst>
+          </p:cNvPr>
+          <p:cNvPicPr>
+            <a:picLocks noChangeAspect="1"/>
+          </p:cNvPicPr>
+          <p:nvPr/>
+        </p:nvPicPr>
+        <p:blipFill>
+          <a:blip r:embed="rId3"/>
+          <a:stretch>
+            <a:fillRect/>
+          </a:stretch>
+        </p:blipFill>
+        <p:spPr>
+          <a:xfrm>
+            <a:off x="5892800" y="124655"/>
+            <a:ext cx="4429379" cy="4703220"/>
+          </a:xfrm>
+          <a:prstGeom prst="rect">
+            <a:avLst/>
+          </a:prstGeom>
+        </p:spPr>
+      </p:pic>
+      <p:pic>
+        <p:nvPicPr>
+          <p:cNvPr id="7" name="圖片 6" descr="一張含有 文字, 螢幕擷取畫面, 字型, 設計 的圖片&#10;&#10;AI 產生的內容可能不正確。">
+            <a:extLst>
+              <a:ext uri="{FF2B5EF4-FFF2-40B4-BE49-F238E27FC236}">
+                <a16:creationId xmlns:a16="http://schemas.microsoft.com/office/drawing/2014/main" id="{3C2BC6C3-3919-FF54-2DA5-325A178BEFA4}"/>
+              </a:ext>
+            </a:extLst>
+          </p:cNvPr>
+          <p:cNvPicPr>
+            <a:picLocks noChangeAspect="1"/>
+          </p:cNvPicPr>
+          <p:nvPr/>
+        </p:nvPicPr>
+        <p:blipFill>
+          <a:blip r:embed="rId4"/>
+          <a:stretch>
+            <a:fillRect/>
+          </a:stretch>
+        </p:blipFill>
+        <p:spPr>
+          <a:xfrm>
+            <a:off x="6096000" y="4725059"/>
+            <a:ext cx="3781953" cy="1962424"/>
+          </a:xfrm>
+          <a:prstGeom prst="rect">
+            <a:avLst/>
+          </a:prstGeom>
+        </p:spPr>
+      </p:pic>
     </p:spTree>
     <p:extLst>
       <p:ext uri="{BB962C8B-B14F-4D97-AF65-F5344CB8AC3E}">
@@ -4200,6 +4410,78 @@
     <p:extLst>
       <p:ext uri="{BB962C8B-B14F-4D97-AF65-F5344CB8AC3E}">
         <p14:creationId xmlns:p14="http://schemas.microsoft.com/office/powerpoint/2010/main" val="465394163"/>
+      </p:ext>
+    </p:extLst>
+  </p:cSld>
+  <p:clrMapOvr>
+    <a:masterClrMapping/>
+  </p:clrMapOvr>
+</p:sld>
+</file>
+
+<file path=ppt/slides/slide8.xml><?xml version="1.0" encoding="utf-8"?>
+<p:sld xmlns:a="http://schemas.openxmlformats.org/drawingml/2006/main" xmlns:r="http://schemas.openxmlformats.org/officeDocument/2006/relationships" xmlns:p="http://schemas.openxmlformats.org/presentationml/2006/main">
+  <p:cSld>
+    <p:spTree>
+      <p:nvGrpSpPr>
+        <p:cNvPr id="1" name="">
+          <a:extLst>
+            <a:ext uri="{FF2B5EF4-FFF2-40B4-BE49-F238E27FC236}">
+              <a16:creationId xmlns:a16="http://schemas.microsoft.com/office/drawing/2014/main" id="{7F97000A-FD97-496C-6FEC-3445BDAE95D5}"/>
+            </a:ext>
+          </a:extLst>
+        </p:cNvPr>
+        <p:cNvGrpSpPr/>
+        <p:nvPr/>
+      </p:nvGrpSpPr>
+      <p:grpSpPr>
+        <a:xfrm>
+          <a:off x="0" y="0"/>
+          <a:ext cx="0" cy="0"/>
+          <a:chOff x="0" y="0"/>
+          <a:chExt cx="0" cy="0"/>
+        </a:xfrm>
+      </p:grpSpPr>
+    </p:spTree>
+    <p:extLst>
+      <p:ext uri="{BB962C8B-B14F-4D97-AF65-F5344CB8AC3E}">
+        <p14:creationId xmlns:p14="http://schemas.microsoft.com/office/powerpoint/2010/main" val="4252451385"/>
+      </p:ext>
+    </p:extLst>
+  </p:cSld>
+  <p:clrMapOvr>
+    <a:masterClrMapping/>
+  </p:clrMapOvr>
+</p:sld>
+</file>
+
+<file path=ppt/slides/slide9.xml><?xml version="1.0" encoding="utf-8"?>
+<p:sld xmlns:a="http://schemas.openxmlformats.org/drawingml/2006/main" xmlns:r="http://schemas.openxmlformats.org/officeDocument/2006/relationships" xmlns:p="http://schemas.openxmlformats.org/presentationml/2006/main">
+  <p:cSld>
+    <p:spTree>
+      <p:nvGrpSpPr>
+        <p:cNvPr id="1" name="">
+          <a:extLst>
+            <a:ext uri="{FF2B5EF4-FFF2-40B4-BE49-F238E27FC236}">
+              <a16:creationId xmlns:a16="http://schemas.microsoft.com/office/drawing/2014/main" id="{75945E45-4C6B-F592-C2EA-BC2FAB2AB67E}"/>
+            </a:ext>
+          </a:extLst>
+        </p:cNvPr>
+        <p:cNvGrpSpPr/>
+        <p:nvPr/>
+      </p:nvGrpSpPr>
+      <p:grpSpPr>
+        <a:xfrm>
+          <a:off x="0" y="0"/>
+          <a:ext cx="0" cy="0"/>
+          <a:chOff x="0" y="0"/>
+          <a:chExt cx="0" cy="0"/>
+        </a:xfrm>
+      </p:grpSpPr>
+    </p:spTree>
+    <p:extLst>
+      <p:ext uri="{BB962C8B-B14F-4D97-AF65-F5344CB8AC3E}">
+        <p14:creationId xmlns:p14="http://schemas.microsoft.com/office/powerpoint/2010/main" val="4161711172"/>
       </p:ext>
     </p:extLst>
   </p:cSld>

--- a/HINS_MCU_V2.0/程式架構變更紀錄.pptx
+++ b/HINS_MCU_V2.0/程式架構變更紀錄.pptx
@@ -268,7 +268,7 @@
           <a:p>
             <a:fld id="{D5E0F212-4211-44CE-A4C3-3C0448CF762C}" type="datetimeFigureOut">
               <a:rPr lang="zh-TW" altLang="en-US" smtClean="0"/>
-              <a:t>2025/12/24</a:t>
+              <a:t>2025/12/25</a:t>
             </a:fld>
             <a:endParaRPr lang="zh-TW" altLang="en-US"/>
           </a:p>
@@ -466,7 +466,7 @@
           <a:p>
             <a:fld id="{D5E0F212-4211-44CE-A4C3-3C0448CF762C}" type="datetimeFigureOut">
               <a:rPr lang="zh-TW" altLang="en-US" smtClean="0"/>
-              <a:t>2025/12/24</a:t>
+              <a:t>2025/12/25</a:t>
             </a:fld>
             <a:endParaRPr lang="zh-TW" altLang="en-US"/>
           </a:p>
@@ -674,7 +674,7 @@
           <a:p>
             <a:fld id="{D5E0F212-4211-44CE-A4C3-3C0448CF762C}" type="datetimeFigureOut">
               <a:rPr lang="zh-TW" altLang="en-US" smtClean="0"/>
-              <a:t>2025/12/24</a:t>
+              <a:t>2025/12/25</a:t>
             </a:fld>
             <a:endParaRPr lang="zh-TW" altLang="en-US"/>
           </a:p>
@@ -872,7 +872,7 @@
           <a:p>
             <a:fld id="{D5E0F212-4211-44CE-A4C3-3C0448CF762C}" type="datetimeFigureOut">
               <a:rPr lang="zh-TW" altLang="en-US" smtClean="0"/>
-              <a:t>2025/12/24</a:t>
+              <a:t>2025/12/25</a:t>
             </a:fld>
             <a:endParaRPr lang="zh-TW" altLang="en-US"/>
           </a:p>
@@ -1147,7 +1147,7 @@
           <a:p>
             <a:fld id="{D5E0F212-4211-44CE-A4C3-3C0448CF762C}" type="datetimeFigureOut">
               <a:rPr lang="zh-TW" altLang="en-US" smtClean="0"/>
-              <a:t>2025/12/24</a:t>
+              <a:t>2025/12/25</a:t>
             </a:fld>
             <a:endParaRPr lang="zh-TW" altLang="en-US"/>
           </a:p>
@@ -1412,7 +1412,7 @@
           <a:p>
             <a:fld id="{D5E0F212-4211-44CE-A4C3-3C0448CF762C}" type="datetimeFigureOut">
               <a:rPr lang="zh-TW" altLang="en-US" smtClean="0"/>
-              <a:t>2025/12/24</a:t>
+              <a:t>2025/12/25</a:t>
             </a:fld>
             <a:endParaRPr lang="zh-TW" altLang="en-US"/>
           </a:p>
@@ -1824,7 +1824,7 @@
           <a:p>
             <a:fld id="{D5E0F212-4211-44CE-A4C3-3C0448CF762C}" type="datetimeFigureOut">
               <a:rPr lang="zh-TW" altLang="en-US" smtClean="0"/>
-              <a:t>2025/12/24</a:t>
+              <a:t>2025/12/25</a:t>
             </a:fld>
             <a:endParaRPr lang="zh-TW" altLang="en-US"/>
           </a:p>
@@ -1965,7 +1965,7 @@
           <a:p>
             <a:fld id="{D5E0F212-4211-44CE-A4C3-3C0448CF762C}" type="datetimeFigureOut">
               <a:rPr lang="zh-TW" altLang="en-US" smtClean="0"/>
-              <a:t>2025/12/24</a:t>
+              <a:t>2025/12/25</a:t>
             </a:fld>
             <a:endParaRPr lang="zh-TW" altLang="en-US"/>
           </a:p>
@@ -2078,7 +2078,7 @@
           <a:p>
             <a:fld id="{D5E0F212-4211-44CE-A4C3-3C0448CF762C}" type="datetimeFigureOut">
               <a:rPr lang="zh-TW" altLang="en-US" smtClean="0"/>
-              <a:t>2025/12/24</a:t>
+              <a:t>2025/12/25</a:t>
             </a:fld>
             <a:endParaRPr lang="zh-TW" altLang="en-US"/>
           </a:p>
@@ -2389,7 +2389,7 @@
           <a:p>
             <a:fld id="{D5E0F212-4211-44CE-A4C3-3C0448CF762C}" type="datetimeFigureOut">
               <a:rPr lang="zh-TW" altLang="en-US" smtClean="0"/>
-              <a:t>2025/12/24</a:t>
+              <a:t>2025/12/25</a:t>
             </a:fld>
             <a:endParaRPr lang="zh-TW" altLang="en-US"/>
           </a:p>
@@ -2677,7 +2677,7 @@
           <a:p>
             <a:fld id="{D5E0F212-4211-44CE-A4C3-3C0448CF762C}" type="datetimeFigureOut">
               <a:rPr lang="zh-TW" altLang="en-US" smtClean="0"/>
-              <a:t>2025/12/24</a:t>
+              <a:t>2025/12/25</a:t>
             </a:fld>
             <a:endParaRPr lang="zh-TW" altLang="en-US"/>
           </a:p>
@@ -2918,7 +2918,7 @@
           <a:p>
             <a:fld id="{D5E0F212-4211-44CE-A4C3-3C0448CF762C}" type="datetimeFigureOut">
               <a:rPr lang="zh-TW" altLang="en-US" smtClean="0"/>
-              <a:t>2025/12/24</a:t>
+              <a:t>2025/12/25</a:t>
             </a:fld>
             <a:endParaRPr lang="zh-TW" altLang="en-US"/>
           </a:p>
@@ -4406,6 +4406,36 @@
           <a:chExt cx="0" cy="0"/>
         </a:xfrm>
       </p:grpSpPr>
+      <p:pic>
+        <p:nvPicPr>
+          <p:cNvPr id="3" name="圖片 2" descr="一張含有 文字, 螢幕擷取畫面, 字型 的圖片&#10;&#10;AI 產生的內容可能不正確。">
+            <a:extLst>
+              <a:ext uri="{FF2B5EF4-FFF2-40B4-BE49-F238E27FC236}">
+                <a16:creationId xmlns:a16="http://schemas.microsoft.com/office/drawing/2014/main" id="{9C44C2D1-C43F-2666-1280-A99F2BF08B49}"/>
+              </a:ext>
+            </a:extLst>
+          </p:cNvPr>
+          <p:cNvPicPr>
+            <a:picLocks noChangeAspect="1"/>
+          </p:cNvPicPr>
+          <p:nvPr/>
+        </p:nvPicPr>
+        <p:blipFill>
+          <a:blip r:embed="rId2"/>
+          <a:stretch>
+            <a:fillRect/>
+          </a:stretch>
+        </p:blipFill>
+        <p:spPr>
+          <a:xfrm>
+            <a:off x="2842758" y="1618997"/>
+            <a:ext cx="6506483" cy="3620005"/>
+          </a:xfrm>
+          <a:prstGeom prst="rect">
+            <a:avLst/>
+          </a:prstGeom>
+        </p:spPr>
+      </p:pic>
     </p:spTree>
     <p:extLst>
       <p:ext uri="{BB962C8B-B14F-4D97-AF65-F5344CB8AC3E}">
